--- a/Lab5/Lab 5 Slides.pptx
+++ b/Lab5/Lab 5 Slides.pptx
@@ -251,7 +251,7 @@
           <a:p>
             <a:fld id="{3E2592C1-88CA-4FDB-BD4B-CC61035A6D24}" type="datetimeFigureOut">
               <a:rPr lang="en-US" smtClean="0"/>
-              <a:t>9/18/2021</a:t>
+              <a:t>9/20/2021</a:t>
             </a:fld>
             <a:endParaRPr lang="en-US"/>
           </a:p>
@@ -419,7 +419,7 @@
           <a:p>
             <a:fld id="{3E2592C1-88CA-4FDB-BD4B-CC61035A6D24}" type="datetimeFigureOut">
               <a:rPr lang="en-US" smtClean="0"/>
-              <a:t>9/18/2021</a:t>
+              <a:t>9/20/2021</a:t>
             </a:fld>
             <a:endParaRPr lang="en-US"/>
           </a:p>
@@ -597,7 +597,7 @@
           <a:p>
             <a:fld id="{3E2592C1-88CA-4FDB-BD4B-CC61035A6D24}" type="datetimeFigureOut">
               <a:rPr lang="en-US" smtClean="0"/>
-              <a:t>9/18/2021</a:t>
+              <a:t>9/20/2021</a:t>
             </a:fld>
             <a:endParaRPr lang="en-US"/>
           </a:p>
@@ -765,7 +765,7 @@
           <a:p>
             <a:fld id="{3E2592C1-88CA-4FDB-BD4B-CC61035A6D24}" type="datetimeFigureOut">
               <a:rPr lang="en-US" smtClean="0"/>
-              <a:t>9/18/2021</a:t>
+              <a:t>9/20/2021</a:t>
             </a:fld>
             <a:endParaRPr lang="en-US"/>
           </a:p>
@@ -1010,7 +1010,7 @@
           <a:p>
             <a:fld id="{3E2592C1-88CA-4FDB-BD4B-CC61035A6D24}" type="datetimeFigureOut">
               <a:rPr lang="en-US" smtClean="0"/>
-              <a:t>9/18/2021</a:t>
+              <a:t>9/20/2021</a:t>
             </a:fld>
             <a:endParaRPr lang="en-US"/>
           </a:p>
@@ -1239,7 +1239,7 @@
           <a:p>
             <a:fld id="{3E2592C1-88CA-4FDB-BD4B-CC61035A6D24}" type="datetimeFigureOut">
               <a:rPr lang="en-US" smtClean="0"/>
-              <a:t>9/18/2021</a:t>
+              <a:t>9/20/2021</a:t>
             </a:fld>
             <a:endParaRPr lang="en-US"/>
           </a:p>
@@ -1603,7 +1603,7 @@
           <a:p>
             <a:fld id="{3E2592C1-88CA-4FDB-BD4B-CC61035A6D24}" type="datetimeFigureOut">
               <a:rPr lang="en-US" smtClean="0"/>
-              <a:t>9/18/2021</a:t>
+              <a:t>9/20/2021</a:t>
             </a:fld>
             <a:endParaRPr lang="en-US"/>
           </a:p>
@@ -1720,7 +1720,7 @@
           <a:p>
             <a:fld id="{3E2592C1-88CA-4FDB-BD4B-CC61035A6D24}" type="datetimeFigureOut">
               <a:rPr lang="en-US" smtClean="0"/>
-              <a:t>9/18/2021</a:t>
+              <a:t>9/20/2021</a:t>
             </a:fld>
             <a:endParaRPr lang="en-US"/>
           </a:p>
@@ -1815,7 +1815,7 @@
           <a:p>
             <a:fld id="{3E2592C1-88CA-4FDB-BD4B-CC61035A6D24}" type="datetimeFigureOut">
               <a:rPr lang="en-US" smtClean="0"/>
-              <a:t>9/18/2021</a:t>
+              <a:t>9/20/2021</a:t>
             </a:fld>
             <a:endParaRPr lang="en-US"/>
           </a:p>
@@ -2090,7 +2090,7 @@
           <a:p>
             <a:fld id="{3E2592C1-88CA-4FDB-BD4B-CC61035A6D24}" type="datetimeFigureOut">
               <a:rPr lang="en-US" smtClean="0"/>
-              <a:t>9/18/2021</a:t>
+              <a:t>9/20/2021</a:t>
             </a:fld>
             <a:endParaRPr lang="en-US"/>
           </a:p>
@@ -2342,7 +2342,7 @@
           <a:p>
             <a:fld id="{3E2592C1-88CA-4FDB-BD4B-CC61035A6D24}" type="datetimeFigureOut">
               <a:rPr lang="en-US" smtClean="0"/>
-              <a:t>9/18/2021</a:t>
+              <a:t>9/20/2021</a:t>
             </a:fld>
             <a:endParaRPr lang="en-US"/>
           </a:p>
@@ -2553,7 +2553,7 @@
           <a:p>
             <a:fld id="{3E2592C1-88CA-4FDB-BD4B-CC61035A6D24}" type="datetimeFigureOut">
               <a:rPr lang="en-US" smtClean="0"/>
-              <a:t>9/18/2021</a:t>
+              <a:t>9/20/2021</a:t>
             </a:fld>
             <a:endParaRPr lang="en-US"/>
           </a:p>
@@ -2980,7 +2980,7 @@
                 <a:latin typeface="Times New Roman" panose="02020603050405020304" pitchFamily="18" charset="0"/>
                 <a:cs typeface="Times New Roman" panose="02020603050405020304" pitchFamily="18" charset="0"/>
               </a:rPr>
-              <a:t>Lab 5 Demonstration</a:t>
+              <a:t>Lab 5</a:t>
             </a:r>
             <a:br>
               <a:rPr lang="en-US" dirty="0">
@@ -3031,7 +3031,7 @@
                 <a:latin typeface="Times New Roman" panose="02020603050405020304" pitchFamily="18" charset="0"/>
                 <a:cs typeface="Times New Roman" panose="02020603050405020304" pitchFamily="18" charset="0"/>
               </a:rPr>
-              <a:t>Imtiaz Ebna Mannan</a:t>
+              <a:t>Shan Zhong</a:t>
             </a:r>
           </a:p>
         </p:txBody>
@@ -3176,25 +3176,6 @@
           <a:chExt cx="0" cy="0"/>
         </a:xfrm>
       </p:grpSpPr>
-      <p:sp>
-        <p:nvSpPr>
-          <p:cNvPr id="2" name="Title 1"/>
-          <p:cNvSpPr>
-            <a:spLocks noGrp="1"/>
-          </p:cNvSpPr>
-          <p:nvPr>
-            <p:ph type="title"/>
-          </p:nvPr>
-        </p:nvSpPr>
-        <p:spPr/>
-        <p:txBody>
-          <a:bodyPr/>
-          <a:lstStyle/>
-          <a:p>
-            <a:endParaRPr lang="en-US"/>
-          </a:p>
-        </p:txBody>
-      </p:sp>
       <p:sp>
         <p:nvSpPr>
           <p:cNvPr id="3" name="Content Placeholder 2"/>
